--- a/architecture_os_and_networking/computer_architecture/Computer_anatomy_004.pptx
+++ b/architecture_os_and_networking/computer_architecture/Computer_anatomy_004.pptx
@@ -19,13 +19,6 @@
     <p:sldId id="265" r:id="rId13"/>
     <p:sldId id="266" r:id="rId14"/>
     <p:sldId id="267" r:id="rId15"/>
-    <p:sldId id="268" r:id="rId16"/>
-    <p:sldId id="271" r:id="rId17"/>
-    <p:sldId id="272" r:id="rId18"/>
-    <p:sldId id="273" r:id="rId19"/>
-    <p:sldId id="275" r:id="rId20"/>
-    <p:sldId id="276" r:id="rId21"/>
-    <p:sldId id="259" r:id="rId22"/>
   </p:sldIdLst>
   <p:sldSz cx="9144000" cy="6858000" type="screen4x3"/>
   <p:notesSz cx="6858000" cy="9144000"/>
@@ -308,7 +301,7 @@
           <a:p>
             <a:fld id="{EE2840F1-C34A-4C19-B093-5709C267FC9A}" type="datetimeFigureOut">
               <a:rPr lang="en-IE" smtClean="0"/>
-              <a:t>30/09/2013</a:t>
+              <a:t>07/10/2013</a:t>
             </a:fld>
             <a:endParaRPr lang="en-IE"/>
           </a:p>
@@ -478,7 +471,7 @@
           <a:p>
             <a:fld id="{EE2840F1-C34A-4C19-B093-5709C267FC9A}" type="datetimeFigureOut">
               <a:rPr lang="en-IE" smtClean="0"/>
-              <a:t>30/09/2013</a:t>
+              <a:t>07/10/2013</a:t>
             </a:fld>
             <a:endParaRPr lang="en-IE"/>
           </a:p>
@@ -658,7 +651,7 @@
           <a:p>
             <a:fld id="{EE2840F1-C34A-4C19-B093-5709C267FC9A}" type="datetimeFigureOut">
               <a:rPr lang="en-IE" smtClean="0"/>
-              <a:t>30/09/2013</a:t>
+              <a:t>07/10/2013</a:t>
             </a:fld>
             <a:endParaRPr lang="en-IE"/>
           </a:p>
@@ -828,7 +821,7 @@
           <a:p>
             <a:fld id="{EE2840F1-C34A-4C19-B093-5709C267FC9A}" type="datetimeFigureOut">
               <a:rPr lang="en-IE" smtClean="0"/>
-              <a:t>30/09/2013</a:t>
+              <a:t>07/10/2013</a:t>
             </a:fld>
             <a:endParaRPr lang="en-IE"/>
           </a:p>
@@ -1074,7 +1067,7 @@
           <a:p>
             <a:fld id="{EE2840F1-C34A-4C19-B093-5709C267FC9A}" type="datetimeFigureOut">
               <a:rPr lang="en-IE" smtClean="0"/>
-              <a:t>30/09/2013</a:t>
+              <a:t>07/10/2013</a:t>
             </a:fld>
             <a:endParaRPr lang="en-IE"/>
           </a:p>
@@ -1362,7 +1355,7 @@
           <a:p>
             <a:fld id="{EE2840F1-C34A-4C19-B093-5709C267FC9A}" type="datetimeFigureOut">
               <a:rPr lang="en-IE" smtClean="0"/>
-              <a:t>30/09/2013</a:t>
+              <a:t>07/10/2013</a:t>
             </a:fld>
             <a:endParaRPr lang="en-IE"/>
           </a:p>
@@ -1784,7 +1777,7 @@
           <a:p>
             <a:fld id="{EE2840F1-C34A-4C19-B093-5709C267FC9A}" type="datetimeFigureOut">
               <a:rPr lang="en-IE" smtClean="0"/>
-              <a:t>30/09/2013</a:t>
+              <a:t>07/10/2013</a:t>
             </a:fld>
             <a:endParaRPr lang="en-IE"/>
           </a:p>
@@ -1902,7 +1895,7 @@
           <a:p>
             <a:fld id="{EE2840F1-C34A-4C19-B093-5709C267FC9A}" type="datetimeFigureOut">
               <a:rPr lang="en-IE" smtClean="0"/>
-              <a:t>30/09/2013</a:t>
+              <a:t>07/10/2013</a:t>
             </a:fld>
             <a:endParaRPr lang="en-IE"/>
           </a:p>
@@ -1997,7 +1990,7 @@
           <a:p>
             <a:fld id="{EE2840F1-C34A-4C19-B093-5709C267FC9A}" type="datetimeFigureOut">
               <a:rPr lang="en-IE" smtClean="0"/>
-              <a:t>30/09/2013</a:t>
+              <a:t>07/10/2013</a:t>
             </a:fld>
             <a:endParaRPr lang="en-IE"/>
           </a:p>
@@ -2274,7 +2267,7 @@
           <a:p>
             <a:fld id="{EE2840F1-C34A-4C19-B093-5709C267FC9A}" type="datetimeFigureOut">
               <a:rPr lang="en-IE" smtClean="0"/>
-              <a:t>30/09/2013</a:t>
+              <a:t>07/10/2013</a:t>
             </a:fld>
             <a:endParaRPr lang="en-IE"/>
           </a:p>
@@ -2527,7 +2520,7 @@
           <a:p>
             <a:fld id="{EE2840F1-C34A-4C19-B093-5709C267FC9A}" type="datetimeFigureOut">
               <a:rPr lang="en-IE" smtClean="0"/>
-              <a:t>30/09/2013</a:t>
+              <a:t>07/10/2013</a:t>
             </a:fld>
             <a:endParaRPr lang="en-IE"/>
           </a:p>
@@ -2740,7 +2733,7 @@
           <a:p>
             <a:fld id="{EE2840F1-C34A-4C19-B093-5709C267FC9A}" type="datetimeFigureOut">
               <a:rPr lang="en-IE" smtClean="0"/>
-              <a:t>30/09/2013</a:t>
+              <a:t>07/10/2013</a:t>
             </a:fld>
             <a:endParaRPr lang="en-IE"/>
           </a:p>
@@ -3811,636 +3804,6 @@
 </p:sld>
 </file>
 
-<file path=ppt/slides/slide15.xml><?xml version="1.0" encoding="utf-8"?>
-<p:sld xmlns:a="http://schemas.openxmlformats.org/drawingml/2006/main" xmlns:r="http://schemas.openxmlformats.org/officeDocument/2006/relationships" xmlns:p="http://schemas.openxmlformats.org/presentationml/2006/main">
-  <p:cSld>
-    <p:spTree>
-      <p:nvGrpSpPr>
-        <p:cNvPr id="1" name=""/>
-        <p:cNvGrpSpPr/>
-        <p:nvPr/>
-      </p:nvGrpSpPr>
-      <p:grpSpPr>
-        <a:xfrm>
-          <a:off x="0" y="0"/>
-          <a:ext cx="0" cy="0"/>
-          <a:chOff x="0" y="0"/>
-          <a:chExt cx="0" cy="0"/>
-        </a:xfrm>
-      </p:grpSpPr>
-      <p:sp>
-        <p:nvSpPr>
-          <p:cNvPr id="2" name="Title 1"/>
-          <p:cNvSpPr>
-            <a:spLocks noGrp="1"/>
-          </p:cNvSpPr>
-          <p:nvPr>
-            <p:ph type="title"/>
-          </p:nvPr>
-        </p:nvSpPr>
-        <p:spPr/>
-        <p:txBody>
-          <a:bodyPr/>
-          <a:lstStyle/>
-          <a:p>
-            <a:r>
-              <a:rPr lang="en-IE" dirty="0" smtClean="0"/>
-              <a:t>Motherboard</a:t>
-            </a:r>
-            <a:endParaRPr lang="en-IE" dirty="0"/>
-          </a:p>
-        </p:txBody>
-      </p:sp>
-      <p:sp>
-        <p:nvSpPr>
-          <p:cNvPr id="3" name="Content Placeholder 2"/>
-          <p:cNvSpPr>
-            <a:spLocks noGrp="1"/>
-          </p:cNvSpPr>
-          <p:nvPr>
-            <p:ph idx="1"/>
-          </p:nvPr>
-        </p:nvSpPr>
-        <p:spPr/>
-        <p:txBody>
-          <a:bodyPr/>
-          <a:lstStyle/>
-          <a:p>
-            <a:r>
-              <a:rPr lang="en-IE" dirty="0" smtClean="0"/>
-              <a:t>Main circuit in a computer that connects different parts of a computer together</a:t>
-            </a:r>
-          </a:p>
-          <a:p>
-            <a:r>
-              <a:rPr lang="en-IE" dirty="0" smtClean="0"/>
-              <a:t>Analogous to the body's nervous system – allows the CPU to control and communicate with separate parts</a:t>
-            </a:r>
-          </a:p>
-          <a:p>
-            <a:r>
-              <a:rPr lang="en-IE" dirty="0" smtClean="0"/>
-              <a:t>Also bridges external components through motherboard ports</a:t>
-            </a:r>
-          </a:p>
-          <a:p>
-            <a:r>
-              <a:rPr lang="en-IE" dirty="0" smtClean="0"/>
-              <a:t>Houses CPU, memory and expansion cards</a:t>
-            </a:r>
-            <a:endParaRPr lang="en-IE" dirty="0"/>
-          </a:p>
-        </p:txBody>
-      </p:sp>
-    </p:spTree>
-    <p:extLst>
-      <p:ext uri="{BB962C8B-B14F-4D97-AF65-F5344CB8AC3E}">
-        <p14:creationId xmlns:p14="http://schemas.microsoft.com/office/powerpoint/2010/main" val="4042544654"/>
-      </p:ext>
-    </p:extLst>
-  </p:cSld>
-  <p:clrMapOvr>
-    <a:masterClrMapping/>
-  </p:clrMapOvr>
-</p:sld>
-</file>
-
-<file path=ppt/slides/slide16.xml><?xml version="1.0" encoding="utf-8"?>
-<p:sld xmlns:a="http://schemas.openxmlformats.org/drawingml/2006/main" xmlns:r="http://schemas.openxmlformats.org/officeDocument/2006/relationships" xmlns:p="http://schemas.openxmlformats.org/presentationml/2006/main">
-  <p:cSld>
-    <p:spTree>
-      <p:nvGrpSpPr>
-        <p:cNvPr id="1" name=""/>
-        <p:cNvGrpSpPr/>
-        <p:nvPr/>
-      </p:nvGrpSpPr>
-      <p:grpSpPr>
-        <a:xfrm>
-          <a:off x="0" y="0"/>
-          <a:ext cx="0" cy="0"/>
-          <a:chOff x="0" y="0"/>
-          <a:chExt cx="0" cy="0"/>
-        </a:xfrm>
-      </p:grpSpPr>
-      <p:sp>
-        <p:nvSpPr>
-          <p:cNvPr id="2" name="Title 1"/>
-          <p:cNvSpPr>
-            <a:spLocks noGrp="1"/>
-          </p:cNvSpPr>
-          <p:nvPr>
-            <p:ph type="title"/>
-          </p:nvPr>
-        </p:nvSpPr>
-        <p:spPr/>
-        <p:txBody>
-          <a:bodyPr/>
-          <a:lstStyle/>
-          <a:p>
-            <a:r>
-              <a:rPr lang="en-IE" dirty="0" smtClean="0"/>
-              <a:t>Motherboard diagram</a:t>
-            </a:r>
-            <a:endParaRPr lang="en-IE" dirty="0"/>
-          </a:p>
-        </p:txBody>
-      </p:sp>
-      <p:pic>
-        <p:nvPicPr>
-          <p:cNvPr id="6147" name="Picture 3"/>
-          <p:cNvPicPr>
-            <a:picLocks noChangeAspect="1" noChangeArrowheads="1"/>
-          </p:cNvPicPr>
-          <p:nvPr/>
-        </p:nvPicPr>
-        <p:blipFill>
-          <a:blip r:embed="rId2">
-            <a:extLst>
-              <a:ext uri="{28A0092B-C50C-407E-A947-70E740481C1C}">
-                <a14:useLocalDpi xmlns:a14="http://schemas.microsoft.com/office/drawing/2010/main" val="0"/>
-              </a:ext>
-            </a:extLst>
-          </a:blip>
-          <a:srcRect/>
-          <a:stretch>
-            <a:fillRect/>
-          </a:stretch>
-        </p:blipFill>
-        <p:spPr bwMode="auto">
-          <a:xfrm>
-            <a:off x="899592" y="1104900"/>
-            <a:ext cx="7581900" cy="5753100"/>
-          </a:xfrm>
-          <a:prstGeom prst="rect">
-            <a:avLst/>
-          </a:prstGeom>
-          <a:noFill/>
-          <a:ln>
-            <a:noFill/>
-          </a:ln>
-          <a:extLst>
-            <a:ext uri="{909E8E84-426E-40DD-AFC4-6F175D3DCCD1}">
-              <a14:hiddenFill xmlns:a14="http://schemas.microsoft.com/office/drawing/2010/main">
-                <a:solidFill>
-                  <a:schemeClr val="accent1"/>
-                </a:solidFill>
-              </a14:hiddenFill>
-            </a:ext>
-            <a:ext uri="{91240B29-F687-4F45-9708-019B960494DF}">
-              <a14:hiddenLine xmlns:a14="http://schemas.microsoft.com/office/drawing/2010/main" w="9525">
-                <a:solidFill>
-                  <a:schemeClr val="tx1"/>
-                </a:solidFill>
-                <a:miter lim="800000"/>
-                <a:headEnd/>
-                <a:tailEnd/>
-              </a14:hiddenLine>
-            </a:ext>
-          </a:extLst>
-        </p:spPr>
-      </p:pic>
-    </p:spTree>
-    <p:extLst>
-      <p:ext uri="{BB962C8B-B14F-4D97-AF65-F5344CB8AC3E}">
-        <p14:creationId xmlns:p14="http://schemas.microsoft.com/office/powerpoint/2010/main" val="703475405"/>
-      </p:ext>
-    </p:extLst>
-  </p:cSld>
-  <p:clrMapOvr>
-    <a:masterClrMapping/>
-  </p:clrMapOvr>
-</p:sld>
-</file>
-
-<file path=ppt/slides/slide17.xml><?xml version="1.0" encoding="utf-8"?>
-<p:sld xmlns:a="http://schemas.openxmlformats.org/drawingml/2006/main" xmlns:r="http://schemas.openxmlformats.org/officeDocument/2006/relationships" xmlns:p="http://schemas.openxmlformats.org/presentationml/2006/main">
-  <p:cSld>
-    <p:spTree>
-      <p:nvGrpSpPr>
-        <p:cNvPr id="1" name=""/>
-        <p:cNvGrpSpPr/>
-        <p:nvPr/>
-      </p:nvGrpSpPr>
-      <p:grpSpPr>
-        <a:xfrm>
-          <a:off x="0" y="0"/>
-          <a:ext cx="0" cy="0"/>
-          <a:chOff x="0" y="0"/>
-          <a:chExt cx="0" cy="0"/>
-        </a:xfrm>
-      </p:grpSpPr>
-      <p:sp>
-        <p:nvSpPr>
-          <p:cNvPr id="2" name="Title 1"/>
-          <p:cNvSpPr>
-            <a:spLocks noGrp="1"/>
-          </p:cNvSpPr>
-          <p:nvPr>
-            <p:ph type="title"/>
-          </p:nvPr>
-        </p:nvSpPr>
-        <p:spPr/>
-        <p:txBody>
-          <a:bodyPr/>
-          <a:lstStyle/>
-          <a:p>
-            <a:r>
-              <a:rPr lang="en-IE" dirty="0" smtClean="0"/>
-              <a:t>Motherboard components of note</a:t>
-            </a:r>
-            <a:endParaRPr lang="en-IE" dirty="0"/>
-          </a:p>
-        </p:txBody>
-      </p:sp>
-      <p:sp>
-        <p:nvSpPr>
-          <p:cNvPr id="3" name="Content Placeholder 2"/>
-          <p:cNvSpPr>
-            <a:spLocks noGrp="1"/>
-          </p:cNvSpPr>
-          <p:nvPr>
-            <p:ph idx="1"/>
-          </p:nvPr>
-        </p:nvSpPr>
-        <p:spPr/>
-        <p:txBody>
-          <a:bodyPr/>
-          <a:lstStyle/>
-          <a:p>
-            <a:r>
-              <a:rPr lang="en-IE" dirty="0" smtClean="0"/>
-              <a:t>BIOS Chip</a:t>
-            </a:r>
-          </a:p>
-          <a:p>
-            <a:pPr lvl="1"/>
-            <a:r>
-              <a:rPr lang="en-IE" dirty="0" smtClean="0"/>
-              <a:t>Stands for Basic </a:t>
-            </a:r>
-            <a:r>
-              <a:rPr lang="en-IE" dirty="0" err="1"/>
-              <a:t>I</a:t>
-            </a:r>
-            <a:r>
-              <a:rPr lang="en-IE" dirty="0" err="1" smtClean="0"/>
-              <a:t>nput/Output</a:t>
-            </a:r>
-            <a:r>
-              <a:rPr lang="en-IE" dirty="0" smtClean="0"/>
-              <a:t> System</a:t>
-            </a:r>
-          </a:p>
-          <a:p>
-            <a:pPr lvl="1"/>
-            <a:r>
-              <a:rPr lang="en-IE" dirty="0" smtClean="0"/>
-              <a:t>Allows the hardware in the computer to communicate during </a:t>
-            </a:r>
-            <a:r>
-              <a:rPr lang="en-IE" dirty="0" err="1" smtClean="0"/>
-              <a:t>startup</a:t>
-            </a:r>
-            <a:endParaRPr lang="en-IE" dirty="0" smtClean="0"/>
-          </a:p>
-          <a:p>
-            <a:pPr lvl="1"/>
-            <a:r>
-              <a:rPr lang="en-IE" dirty="0" smtClean="0"/>
-              <a:t>Uses non-</a:t>
-            </a:r>
-            <a:r>
-              <a:rPr lang="en-IE" dirty="0" err="1" smtClean="0"/>
-              <a:t>volitile</a:t>
-            </a:r>
-            <a:r>
-              <a:rPr lang="en-IE" dirty="0" smtClean="0"/>
-              <a:t> memory</a:t>
-            </a:r>
-          </a:p>
-          <a:p>
-            <a:r>
-              <a:rPr lang="en-IE" dirty="0" smtClean="0"/>
-              <a:t>PCI Slots</a:t>
-            </a:r>
-          </a:p>
-          <a:p>
-            <a:pPr lvl="1"/>
-            <a:r>
-              <a:rPr lang="en-IE" dirty="0" smtClean="0"/>
-              <a:t>Used to add extension cards to a machine</a:t>
-            </a:r>
-          </a:p>
-          <a:p>
-            <a:pPr lvl="1"/>
-            <a:r>
-              <a:rPr lang="en-IE" dirty="0" smtClean="0"/>
-              <a:t>Mainly graphic cards, network cards </a:t>
-            </a:r>
-            <a:r>
-              <a:rPr lang="en-IE" dirty="0" err="1" smtClean="0"/>
-              <a:t>etc</a:t>
-            </a:r>
-            <a:endParaRPr lang="en-IE" dirty="0" smtClean="0"/>
-          </a:p>
-          <a:p>
-            <a:endParaRPr lang="en-IE" dirty="0"/>
-          </a:p>
-        </p:txBody>
-      </p:sp>
-    </p:spTree>
-    <p:extLst>
-      <p:ext uri="{BB962C8B-B14F-4D97-AF65-F5344CB8AC3E}">
-        <p14:creationId xmlns:p14="http://schemas.microsoft.com/office/powerpoint/2010/main" val="442527643"/>
-      </p:ext>
-    </p:extLst>
-  </p:cSld>
-  <p:clrMapOvr>
-    <a:masterClrMapping/>
-  </p:clrMapOvr>
-</p:sld>
-</file>
-
-<file path=ppt/slides/slide18.xml><?xml version="1.0" encoding="utf-8"?>
-<p:sld xmlns:a="http://schemas.openxmlformats.org/drawingml/2006/main" xmlns:r="http://schemas.openxmlformats.org/officeDocument/2006/relationships" xmlns:p="http://schemas.openxmlformats.org/presentationml/2006/main">
-  <p:cSld>
-    <p:spTree>
-      <p:nvGrpSpPr>
-        <p:cNvPr id="1" name=""/>
-        <p:cNvGrpSpPr/>
-        <p:nvPr/>
-      </p:nvGrpSpPr>
-      <p:grpSpPr>
-        <a:xfrm>
-          <a:off x="0" y="0"/>
-          <a:ext cx="0" cy="0"/>
-          <a:chOff x="0" y="0"/>
-          <a:chExt cx="0" cy="0"/>
-        </a:xfrm>
-      </p:grpSpPr>
-      <p:sp>
-        <p:nvSpPr>
-          <p:cNvPr id="2" name="Title 1"/>
-          <p:cNvSpPr>
-            <a:spLocks noGrp="1"/>
-          </p:cNvSpPr>
-          <p:nvPr>
-            <p:ph type="title"/>
-          </p:nvPr>
-        </p:nvSpPr>
-        <p:spPr/>
-        <p:txBody>
-          <a:bodyPr/>
-          <a:lstStyle/>
-          <a:p>
-            <a:r>
-              <a:rPr lang="en-IE" dirty="0" smtClean="0"/>
-              <a:t>Motherboard components of note</a:t>
-            </a:r>
-            <a:endParaRPr lang="en-IE" dirty="0"/>
-          </a:p>
-        </p:txBody>
-      </p:sp>
-      <p:sp>
-        <p:nvSpPr>
-          <p:cNvPr id="3" name="Content Placeholder 2"/>
-          <p:cNvSpPr>
-            <a:spLocks noGrp="1"/>
-          </p:cNvSpPr>
-          <p:nvPr>
-            <p:ph idx="1"/>
-          </p:nvPr>
-        </p:nvSpPr>
-        <p:spPr/>
-        <p:txBody>
-          <a:bodyPr>
-            <a:normAutofit fontScale="85000" lnSpcReduction="20000"/>
-          </a:bodyPr>
-          <a:lstStyle/>
-          <a:p>
-            <a:r>
-              <a:rPr lang="en-IE" dirty="0" smtClean="0"/>
-              <a:t>CMOS</a:t>
-            </a:r>
-          </a:p>
-          <a:p>
-            <a:pPr lvl="1"/>
-            <a:r>
-              <a:rPr lang="en-IE" dirty="0" smtClean="0"/>
-              <a:t>Complementary Metal Oxide Semi-conductor</a:t>
-            </a:r>
-          </a:p>
-          <a:p>
-            <a:pPr lvl="1"/>
-            <a:r>
-              <a:rPr lang="en-IE" dirty="0" smtClean="0"/>
-              <a:t>Little battery used to power CMOS powered memory to hold date time and system setup parameters</a:t>
-            </a:r>
-          </a:p>
-          <a:p>
-            <a:r>
-              <a:rPr lang="en-IE" dirty="0" smtClean="0"/>
-              <a:t>Southbridge</a:t>
-            </a:r>
-          </a:p>
-          <a:p>
-            <a:pPr lvl="1"/>
-            <a:r>
-              <a:rPr lang="en-IE" dirty="0" smtClean="0"/>
-              <a:t>An integrated circuit responsible for</a:t>
-            </a:r>
-          </a:p>
-          <a:p>
-            <a:pPr lvl="2"/>
-            <a:r>
-              <a:rPr lang="en-IE" dirty="0" smtClean="0"/>
-              <a:t>Hard drive controller</a:t>
-            </a:r>
-          </a:p>
-          <a:p>
-            <a:pPr lvl="2"/>
-            <a:r>
-              <a:rPr lang="en-IE" dirty="0" smtClean="0"/>
-              <a:t>I/O controller</a:t>
-            </a:r>
-          </a:p>
-          <a:p>
-            <a:pPr lvl="2"/>
-            <a:r>
-              <a:rPr lang="en-IE" dirty="0" smtClean="0"/>
-              <a:t>Soundcard</a:t>
-            </a:r>
-          </a:p>
-          <a:p>
-            <a:pPr lvl="2"/>
-            <a:r>
-              <a:rPr lang="en-IE" dirty="0" smtClean="0"/>
-              <a:t>USB</a:t>
-            </a:r>
-          </a:p>
-          <a:p>
-            <a:pPr lvl="2"/>
-            <a:r>
-              <a:rPr lang="en-IE" dirty="0" smtClean="0"/>
-              <a:t>BIOS </a:t>
-            </a:r>
-            <a:r>
-              <a:rPr lang="en-IE" dirty="0" err="1" smtClean="0"/>
-              <a:t>etc</a:t>
-            </a:r>
-            <a:endParaRPr lang="en-IE" dirty="0" smtClean="0"/>
-          </a:p>
-          <a:p>
-            <a:pPr lvl="1"/>
-            <a:r>
-              <a:rPr lang="en-IE" dirty="0" smtClean="0"/>
-              <a:t>Although it handles I/O devices, slower I/O devices such as keyboard, non-</a:t>
-            </a:r>
-            <a:r>
-              <a:rPr lang="en-IE" dirty="0" err="1" smtClean="0"/>
-              <a:t>usb</a:t>
-            </a:r>
-            <a:r>
-              <a:rPr lang="en-IE" dirty="0" smtClean="0"/>
-              <a:t> mouse handled by S I/O (Super I/O)</a:t>
-            </a:r>
-            <a:endParaRPr lang="en-IE" dirty="0"/>
-          </a:p>
-        </p:txBody>
-      </p:sp>
-    </p:spTree>
-    <p:extLst>
-      <p:ext uri="{BB962C8B-B14F-4D97-AF65-F5344CB8AC3E}">
-        <p14:creationId xmlns:p14="http://schemas.microsoft.com/office/powerpoint/2010/main" val="1431162888"/>
-      </p:ext>
-    </p:extLst>
-  </p:cSld>
-  <p:clrMapOvr>
-    <a:masterClrMapping/>
-  </p:clrMapOvr>
-</p:sld>
-</file>
-
-<file path=ppt/slides/slide19.xml><?xml version="1.0" encoding="utf-8"?>
-<p:sld xmlns:a="http://schemas.openxmlformats.org/drawingml/2006/main" xmlns:r="http://schemas.openxmlformats.org/officeDocument/2006/relationships" xmlns:p="http://schemas.openxmlformats.org/presentationml/2006/main">
-  <p:cSld>
-    <p:spTree>
-      <p:nvGrpSpPr>
-        <p:cNvPr id="1" name=""/>
-        <p:cNvGrpSpPr/>
-        <p:nvPr/>
-      </p:nvGrpSpPr>
-      <p:grpSpPr>
-        <a:xfrm>
-          <a:off x="0" y="0"/>
-          <a:ext cx="0" cy="0"/>
-          <a:chOff x="0" y="0"/>
-          <a:chExt cx="0" cy="0"/>
-        </a:xfrm>
-      </p:grpSpPr>
-      <p:sp>
-        <p:nvSpPr>
-          <p:cNvPr id="2" name="Title 1"/>
-          <p:cNvSpPr>
-            <a:spLocks noGrp="1"/>
-          </p:cNvSpPr>
-          <p:nvPr>
-            <p:ph type="title"/>
-          </p:nvPr>
-        </p:nvSpPr>
-        <p:spPr/>
-        <p:txBody>
-          <a:bodyPr/>
-          <a:lstStyle/>
-          <a:p>
-            <a:r>
-              <a:rPr lang="en-IE" dirty="0" smtClean="0"/>
-              <a:t>Motherboard components of note</a:t>
-            </a:r>
-            <a:endParaRPr lang="en-IE" dirty="0"/>
-          </a:p>
-        </p:txBody>
-      </p:sp>
-      <p:sp>
-        <p:nvSpPr>
-          <p:cNvPr id="3" name="Content Placeholder 2"/>
-          <p:cNvSpPr>
-            <a:spLocks noGrp="1"/>
-          </p:cNvSpPr>
-          <p:nvPr>
-            <p:ph idx="1"/>
-          </p:nvPr>
-        </p:nvSpPr>
-        <p:spPr/>
-        <p:txBody>
-          <a:bodyPr/>
-          <a:lstStyle/>
-          <a:p>
-            <a:r>
-              <a:rPr lang="en-IE" dirty="0" err="1" smtClean="0"/>
-              <a:t>NorthBridge</a:t>
-            </a:r>
-            <a:endParaRPr lang="en-IE" dirty="0" smtClean="0"/>
-          </a:p>
-          <a:p>
-            <a:pPr lvl="1"/>
-            <a:r>
-              <a:rPr lang="en-IE" dirty="0" smtClean="0"/>
-              <a:t>Responsible for communications between RAM and AGP with the CPU.</a:t>
-            </a:r>
-          </a:p>
-          <a:p>
-            <a:pPr lvl="1"/>
-            <a:r>
-              <a:rPr lang="en-IE" dirty="0" smtClean="0"/>
-              <a:t>Also known as memory controller hub</a:t>
-            </a:r>
-          </a:p>
-          <a:p>
-            <a:pPr lvl="1"/>
-            <a:r>
-              <a:rPr lang="en-IE" dirty="0" smtClean="0"/>
-              <a:t>Acts as a bridge to the </a:t>
-            </a:r>
-            <a:r>
-              <a:rPr lang="en-IE" dirty="0" err="1" smtClean="0"/>
-              <a:t>SouthBridge</a:t>
-            </a:r>
-            <a:endParaRPr lang="en-IE" dirty="0" smtClean="0"/>
-          </a:p>
-          <a:p>
-            <a:pPr lvl="1"/>
-            <a:r>
-              <a:rPr lang="en-IE" dirty="0" smtClean="0"/>
-              <a:t>Usually closer to the CPU and memory and slightly larger than </a:t>
-            </a:r>
-            <a:r>
-              <a:rPr lang="en-IE" dirty="0" err="1" smtClean="0"/>
-              <a:t>SouthBridge</a:t>
-            </a:r>
-            <a:endParaRPr lang="en-IE" dirty="0" smtClean="0"/>
-          </a:p>
-          <a:p>
-            <a:pPr marL="0" indent="0">
-              <a:buNone/>
-            </a:pPr>
-            <a:endParaRPr lang="en-IE" dirty="0"/>
-          </a:p>
-        </p:txBody>
-      </p:sp>
-    </p:spTree>
-    <p:extLst>
-      <p:ext uri="{BB962C8B-B14F-4D97-AF65-F5344CB8AC3E}">
-        <p14:creationId xmlns:p14="http://schemas.microsoft.com/office/powerpoint/2010/main" val="2545926056"/>
-      </p:ext>
-    </p:extLst>
-  </p:cSld>
-  <p:clrMapOvr>
-    <a:masterClrMapping/>
-  </p:clrMapOvr>
-</p:sld>
-</file>
-
 <file path=ppt/slides/slide2.xml><?xml version="1.0" encoding="utf-8"?>
 <p:sld xmlns:a="http://schemas.openxmlformats.org/drawingml/2006/main" xmlns:r="http://schemas.openxmlformats.org/officeDocument/2006/relationships" xmlns:p="http://schemas.openxmlformats.org/presentationml/2006/main">
   <p:cSld>
@@ -4527,7 +3890,6 @@
               <a:rPr lang="en-IE" dirty="0" smtClean="0"/>
               <a:t>CPU Cooler</a:t>
             </a:r>
-            <a:endParaRPr lang="en-IE" dirty="0" smtClean="0"/>
           </a:p>
           <a:p>
             <a:r>
@@ -4562,323 +3924,6 @@
     <p:extLst>
       <p:ext uri="{BB962C8B-B14F-4D97-AF65-F5344CB8AC3E}">
         <p14:creationId xmlns:p14="http://schemas.microsoft.com/office/powerpoint/2010/main" val="702074380"/>
-      </p:ext>
-    </p:extLst>
-  </p:cSld>
-  <p:clrMapOvr>
-    <a:masterClrMapping/>
-  </p:clrMapOvr>
-</p:sld>
-</file>
-
-<file path=ppt/slides/slide20.xml><?xml version="1.0" encoding="utf-8"?>
-<p:sld xmlns:a="http://schemas.openxmlformats.org/drawingml/2006/main" xmlns:r="http://schemas.openxmlformats.org/officeDocument/2006/relationships" xmlns:p="http://schemas.openxmlformats.org/presentationml/2006/main">
-  <p:cSld>
-    <p:spTree>
-      <p:nvGrpSpPr>
-        <p:cNvPr id="1" name=""/>
-        <p:cNvGrpSpPr/>
-        <p:nvPr/>
-      </p:nvGrpSpPr>
-      <p:grpSpPr>
-        <a:xfrm>
-          <a:off x="0" y="0"/>
-          <a:ext cx="0" cy="0"/>
-          <a:chOff x="0" y="0"/>
-          <a:chExt cx="0" cy="0"/>
-        </a:xfrm>
-      </p:grpSpPr>
-      <p:sp>
-        <p:nvSpPr>
-          <p:cNvPr id="2" name="Title 1"/>
-          <p:cNvSpPr>
-            <a:spLocks noGrp="1"/>
-          </p:cNvSpPr>
-          <p:nvPr>
-            <p:ph type="title"/>
-          </p:nvPr>
-        </p:nvSpPr>
-        <p:spPr/>
-        <p:txBody>
-          <a:bodyPr/>
-          <a:lstStyle/>
-          <a:p>
-            <a:r>
-              <a:rPr lang="en-IE" dirty="0" smtClean="0"/>
-              <a:t>Motherboard bus architecture</a:t>
-            </a:r>
-            <a:endParaRPr lang="en-IE" dirty="0"/>
-          </a:p>
-        </p:txBody>
-      </p:sp>
-      <p:sp>
-        <p:nvSpPr>
-          <p:cNvPr id="3" name="Content Placeholder 2"/>
-          <p:cNvSpPr>
-            <a:spLocks noGrp="1"/>
-          </p:cNvSpPr>
-          <p:nvPr>
-            <p:ph idx="1"/>
-          </p:nvPr>
-        </p:nvSpPr>
-        <p:spPr>
-          <a:xfrm>
-            <a:off x="4572000" y="1600200"/>
-            <a:ext cx="4114800" cy="4525963"/>
-          </a:xfrm>
-        </p:spPr>
-        <p:txBody>
-          <a:bodyPr>
-            <a:normAutofit/>
-          </a:bodyPr>
-          <a:lstStyle/>
-          <a:p>
-            <a:r>
-              <a:rPr lang="en-IE" sz="1600" dirty="0"/>
-              <a:t>The Northbridge chips handles IO duties between the CPU and </a:t>
-            </a:r>
-            <a:r>
-              <a:rPr lang="en-IE" sz="1600" dirty="0" smtClean="0"/>
-              <a:t>RAM</a:t>
-            </a:r>
-          </a:p>
-          <a:p>
-            <a:r>
-              <a:rPr lang="en-IE" sz="1600" dirty="0"/>
-              <a:t>The Southbridge chip handles IO duties with </a:t>
-            </a:r>
-            <a:r>
-              <a:rPr lang="en-IE" sz="1600" dirty="0" smtClean="0"/>
-              <a:t>HDDs, BIOS, USB </a:t>
-            </a:r>
-            <a:r>
-              <a:rPr lang="en-IE" sz="1600" dirty="0" err="1" smtClean="0"/>
-              <a:t>etc</a:t>
-            </a:r>
-            <a:endParaRPr lang="en-IE" sz="1600" dirty="0" smtClean="0"/>
-          </a:p>
-          <a:p>
-            <a:r>
-              <a:rPr lang="en-IE" sz="1600" dirty="0" smtClean="0"/>
-              <a:t>CPU directly connected to the </a:t>
-            </a:r>
-            <a:r>
-              <a:rPr lang="en-IE" sz="1600" dirty="0" err="1" smtClean="0"/>
-              <a:t>NorthBridge</a:t>
-            </a:r>
-            <a:endParaRPr lang="en-IE" sz="1600" dirty="0" smtClean="0"/>
-          </a:p>
-          <a:p>
-            <a:r>
-              <a:rPr lang="en-IE" sz="1600" dirty="0" err="1" smtClean="0"/>
-              <a:t>NorthBridge</a:t>
-            </a:r>
-            <a:r>
-              <a:rPr lang="en-IE" sz="1600" dirty="0" smtClean="0"/>
-              <a:t> acts as a “bridge” to the </a:t>
-            </a:r>
-            <a:r>
-              <a:rPr lang="en-IE" sz="1600" dirty="0" err="1" smtClean="0"/>
-              <a:t>SouthBridge</a:t>
-            </a:r>
-            <a:endParaRPr lang="en-IE" sz="1600" dirty="0" smtClean="0"/>
-          </a:p>
-          <a:p>
-            <a:r>
-              <a:rPr lang="en-IE" sz="1600" dirty="0" smtClean="0"/>
-              <a:t>Super I/O caters for the slow I/O technologies</a:t>
-            </a:r>
-            <a:endParaRPr lang="en-IE" sz="1600" dirty="0"/>
-          </a:p>
-        </p:txBody>
-      </p:sp>
-      <p:pic>
-        <p:nvPicPr>
-          <p:cNvPr id="1026" name="Picture 2"/>
-          <p:cNvPicPr>
-            <a:picLocks noChangeAspect="1" noChangeArrowheads="1"/>
-          </p:cNvPicPr>
-          <p:nvPr/>
-        </p:nvPicPr>
-        <p:blipFill>
-          <a:blip r:embed="rId2">
-            <a:extLst>
-              <a:ext uri="{28A0092B-C50C-407E-A947-70E740481C1C}">
-                <a14:useLocalDpi xmlns:a14="http://schemas.microsoft.com/office/drawing/2010/main" val="0"/>
-              </a:ext>
-            </a:extLst>
-          </a:blip>
-          <a:srcRect/>
-          <a:stretch>
-            <a:fillRect/>
-          </a:stretch>
-        </p:blipFill>
-        <p:spPr bwMode="auto">
-          <a:xfrm>
-            <a:off x="1043608" y="1556792"/>
-            <a:ext cx="3171825" cy="4391025"/>
-          </a:xfrm>
-          <a:prstGeom prst="rect">
-            <a:avLst/>
-          </a:prstGeom>
-          <a:noFill/>
-          <a:ln>
-            <a:noFill/>
-          </a:ln>
-          <a:extLst>
-            <a:ext uri="{909E8E84-426E-40DD-AFC4-6F175D3DCCD1}">
-              <a14:hiddenFill xmlns:a14="http://schemas.microsoft.com/office/drawing/2010/main">
-                <a:solidFill>
-                  <a:schemeClr val="accent1"/>
-                </a:solidFill>
-              </a14:hiddenFill>
-            </a:ext>
-            <a:ext uri="{91240B29-F687-4F45-9708-019B960494DF}">
-              <a14:hiddenLine xmlns:a14="http://schemas.microsoft.com/office/drawing/2010/main" w="9525">
-                <a:solidFill>
-                  <a:schemeClr val="tx1"/>
-                </a:solidFill>
-                <a:miter lim="800000"/>
-                <a:headEnd/>
-                <a:tailEnd/>
-              </a14:hiddenLine>
-            </a:ext>
-          </a:extLst>
-        </p:spPr>
-      </p:pic>
-    </p:spTree>
-    <p:extLst>
-      <p:ext uri="{BB962C8B-B14F-4D97-AF65-F5344CB8AC3E}">
-        <p14:creationId xmlns:p14="http://schemas.microsoft.com/office/powerpoint/2010/main" val="2446514254"/>
-      </p:ext>
-    </p:extLst>
-  </p:cSld>
-  <p:clrMapOvr>
-    <a:masterClrMapping/>
-  </p:clrMapOvr>
-</p:sld>
-</file>
-
-<file path=ppt/slides/slide21.xml><?xml version="1.0" encoding="utf-8"?>
-<p:sld xmlns:a="http://schemas.openxmlformats.org/drawingml/2006/main" xmlns:r="http://schemas.openxmlformats.org/officeDocument/2006/relationships" xmlns:p="http://schemas.openxmlformats.org/presentationml/2006/main">
-  <p:cSld>
-    <p:spTree>
-      <p:nvGrpSpPr>
-        <p:cNvPr id="1" name=""/>
-        <p:cNvGrpSpPr/>
-        <p:nvPr/>
-      </p:nvGrpSpPr>
-      <p:grpSpPr>
-        <a:xfrm>
-          <a:off x="0" y="0"/>
-          <a:ext cx="0" cy="0"/>
-          <a:chOff x="0" y="0"/>
-          <a:chExt cx="0" cy="0"/>
-        </a:xfrm>
-      </p:grpSpPr>
-      <p:sp>
-        <p:nvSpPr>
-          <p:cNvPr id="2" name="Title 1"/>
-          <p:cNvSpPr>
-            <a:spLocks noGrp="1"/>
-          </p:cNvSpPr>
-          <p:nvPr>
-            <p:ph type="title"/>
-          </p:nvPr>
-        </p:nvSpPr>
-        <p:spPr/>
-        <p:txBody>
-          <a:bodyPr>
-            <a:normAutofit fontScale="90000"/>
-          </a:bodyPr>
-          <a:lstStyle/>
-          <a:p>
-            <a:r>
-              <a:rPr lang="en-IE" dirty="0" smtClean="0"/>
-              <a:t>What happens when you start a program?</a:t>
-            </a:r>
-            <a:endParaRPr lang="en-IE" dirty="0"/>
-          </a:p>
-        </p:txBody>
-      </p:sp>
-      <p:sp>
-        <p:nvSpPr>
-          <p:cNvPr id="3" name="Content Placeholder 2"/>
-          <p:cNvSpPr>
-            <a:spLocks noGrp="1"/>
-          </p:cNvSpPr>
-          <p:nvPr>
-            <p:ph idx="1"/>
-          </p:nvPr>
-        </p:nvSpPr>
-        <p:spPr/>
-        <p:txBody>
-          <a:bodyPr>
-            <a:normAutofit lnSpcReduction="10000"/>
-          </a:bodyPr>
-          <a:lstStyle/>
-          <a:p>
-            <a:r>
-              <a:rPr lang="en-IE" dirty="0" smtClean="0"/>
-              <a:t>Data transferred from hard disk to RAM</a:t>
-            </a:r>
-          </a:p>
-          <a:p>
-            <a:pPr lvl="1"/>
-            <a:r>
-              <a:rPr lang="en-IE" dirty="0" smtClean="0"/>
-              <a:t>Program is a set of instructions for a CPU</a:t>
-            </a:r>
-          </a:p>
-          <a:p>
-            <a:r>
-              <a:rPr lang="en-IE" dirty="0" smtClean="0"/>
-              <a:t>CPU loads the program from </a:t>
-            </a:r>
-            <a:r>
-              <a:rPr lang="en-IE" dirty="0" smtClean="0"/>
-              <a:t>RAM to in-memory CPU</a:t>
-            </a:r>
-            <a:endParaRPr lang="en-IE" dirty="0" smtClean="0"/>
-          </a:p>
-          <a:p>
-            <a:r>
-              <a:rPr lang="en-IE" dirty="0" smtClean="0"/>
-              <a:t>The data (instructions) now inside the CPU gets </a:t>
-            </a:r>
-            <a:r>
-              <a:rPr lang="en-IE" dirty="0" smtClean="0"/>
-              <a:t>executed (fetch-decode-execute)</a:t>
-            </a:r>
-            <a:endParaRPr lang="en-IE" dirty="0" smtClean="0"/>
-          </a:p>
-          <a:p>
-            <a:r>
-              <a:rPr lang="en-IE" dirty="0" smtClean="0"/>
-              <a:t>What happens next depends on the program</a:t>
-            </a:r>
-          </a:p>
-          <a:p>
-            <a:pPr lvl="1"/>
-            <a:r>
-              <a:rPr lang="en-IE" dirty="0" smtClean="0"/>
-              <a:t>Display on screen</a:t>
-            </a:r>
-          </a:p>
-          <a:p>
-            <a:pPr lvl="1"/>
-            <a:r>
-              <a:rPr lang="en-IE" dirty="0" smtClean="0"/>
-              <a:t>Continue to load from RAM</a:t>
-            </a:r>
-            <a:endParaRPr lang="en-IE" dirty="0"/>
-          </a:p>
-        </p:txBody>
-      </p:sp>
-    </p:spTree>
-    <p:extLst>
-      <p:ext uri="{BB962C8B-B14F-4D97-AF65-F5344CB8AC3E}">
-        <p14:creationId xmlns:p14="http://schemas.microsoft.com/office/powerpoint/2010/main" val="1517985341"/>
       </p:ext>
     </p:extLst>
   </p:cSld>
@@ -4922,11 +3967,7 @@
           <a:p>
             <a:r>
               <a:rPr lang="en-IE" dirty="0" smtClean="0"/>
-              <a:t>RAM </a:t>
-            </a:r>
-            <a:r>
-              <a:rPr lang="en-IE" dirty="0" smtClean="0"/>
-              <a:t>(Random Access Memory)</a:t>
+              <a:t>RAM (Random Access Memory)</a:t>
             </a:r>
             <a:endParaRPr lang="en-IE" dirty="0"/>
           </a:p>
@@ -5209,11 +4250,7 @@
           <a:p>
             <a:r>
               <a:rPr lang="en-IE" dirty="0" smtClean="0"/>
-              <a:t>CPU </a:t>
-            </a:r>
-            <a:r>
-              <a:rPr lang="en-IE" dirty="0" smtClean="0"/>
-              <a:t>(Central Processing Unit)</a:t>
+              <a:t>CPU (Central Processing Unit)</a:t>
             </a:r>
             <a:endParaRPr lang="en-IE" dirty="0"/>
           </a:p>
@@ -5315,7 +4352,6 @@
               <a:rPr lang="en-IE" dirty="0"/>
               <a:t>CPU (Central Processing Unit)</a:t>
             </a:r>
-            <a:endParaRPr lang="en-IE" dirty="0"/>
           </a:p>
         </p:txBody>
       </p:sp>
